--- a/Research Road map/Model.pptx
+++ b/Research Road map/Model.pptx
@@ -104,6 +104,11 @@
       </a:defRPr>
     </a:lvl9pPr>
   </p:defaultTextStyle>
+  <p:extLst>
+    <p:ext uri="{EFAFB233-063F-42B5-8137-9DF3F51BA10A}">
+      <p15:sldGuideLst xmlns:p15="http://schemas.microsoft.com/office/powerpoint/2012/main"/>
+    </p:ext>
+  </p:extLst>
 </p:presentation>
 </file>
 
@@ -5355,7 +5360,7 @@
         <p:spPr>
           <a:xfrm>
             <a:off x="6704671" y="1018162"/>
-            <a:ext cx="4957010" cy="4524315"/>
+            <a:ext cx="4957010" cy="4893647"/>
           </a:xfrm>
           <a:prstGeom prst="rect">
             <a:avLst/>
@@ -5379,6 +5384,16 @@
               </a:rPr>
               <a:t>Previous research has created a BART model that can generate responses considering emotions by adding a task of labeling emotions in the decoder part.</a:t>
             </a:r>
+          </a:p>
+          <a:p>
+            <a:endParaRPr lang="en-US" altLang="ja-JP" sz="2400" b="0" i="0" dirty="0">
+              <a:solidFill>
+                <a:srgbClr val="374151"/>
+              </a:solidFill>
+              <a:effectLst/>
+              <a:latin typeface="Noto Sans CJK KR Regular" panose="020B0500000000000000" pitchFamily="34" charset="-128"/>
+              <a:ea typeface="Noto Sans CJK KR Regular" panose="020B0500000000000000" pitchFamily="34" charset="-128"/>
+            </a:endParaRPr>
           </a:p>
           <a:p>
             <a:r>
